--- a/SIGCOMM_Figures/updatedimages/mmeconnection_new.pptx
+++ b/SIGCOMM_Figures/updatedimages/mmeconnection_new.pptx
@@ -7,7 +7,7 @@
   <p:sldIdLst>
     <p:sldId id="256" r:id="rId2"/>
   </p:sldIdLst>
-  <p:sldSz cx="1371600" cy="1096963"/>
+  <p:sldSz cx="1189038" cy="1096963"/>
   <p:notesSz cx="6858000" cy="9144000"/>
   <p:defaultTextStyle>
     <a:defPPr>
@@ -112,7 +112,7 @@
             <a:srgbClr val="A4A3A4"/>
           </p15:clr>
         </p15:guide>
-        <p15:guide id="2" pos="1019" userDrawn="1">
+        <p15:guide id="2" pos="883" userDrawn="1">
           <p15:clr>
             <a:srgbClr val="A4A3A4"/>
           </p15:clr>
@@ -122,7 +122,7 @@
             <a:srgbClr val="A4A3A4"/>
           </p15:clr>
         </p15:guide>
-        <p15:guide id="4" pos="433" userDrawn="1">
+        <p15:guide id="4" pos="375" userDrawn="1">
           <p15:clr>
             <a:srgbClr val="A4A3A4"/>
           </p15:clr>
@@ -162,8 +162,8 @@
         </p:nvSpPr>
         <p:spPr>
           <a:xfrm>
-            <a:off x="102871" y="340773"/>
-            <a:ext cx="1165859" cy="235137"/>
+            <a:off x="89179" y="340774"/>
+            <a:ext cx="1010681" cy="235137"/>
           </a:xfrm>
         </p:spPr>
         <p:txBody>
@@ -189,8 +189,8 @@
         </p:nvSpPr>
         <p:spPr>
           <a:xfrm>
-            <a:off x="205741" y="621616"/>
-            <a:ext cx="960121" cy="280335"/>
+            <a:off x="178357" y="621617"/>
+            <a:ext cx="832327" cy="280335"/>
           </a:xfrm>
         </p:spPr>
         <p:txBody>
@@ -312,7 +312,7 @@
           <a:p>
             <a:fld id="{1848ABD9-56DB-C342-8534-56128430F316}" type="datetimeFigureOut">
               <a:rPr lang="en-US" smtClean="0"/>
-              <a:t>6/18/18</a:t>
+              <a:t>6/21/18</a:t>
             </a:fld>
             <a:endParaRPr lang="en-US"/>
           </a:p>
@@ -480,7 +480,7 @@
           <a:p>
             <a:fld id="{1848ABD9-56DB-C342-8534-56128430F316}" type="datetimeFigureOut">
               <a:rPr lang="en-US" smtClean="0"/>
-              <a:t>6/18/18</a:t>
+              <a:t>6/21/18</a:t>
             </a:fld>
             <a:endParaRPr lang="en-US"/>
           </a:p>
@@ -570,8 +570,8 @@
         </p:nvSpPr>
         <p:spPr>
           <a:xfrm>
-            <a:off x="149309" y="8899"/>
-            <a:ext cx="46197" cy="187145"/>
+            <a:off x="129436" y="8900"/>
+            <a:ext cx="40048" cy="187145"/>
           </a:xfrm>
         </p:spPr>
         <p:txBody>
@@ -597,8 +597,8 @@
         </p:nvSpPr>
         <p:spPr>
           <a:xfrm>
-            <a:off x="10243" y="8899"/>
-            <a:ext cx="116204" cy="187145"/>
+            <a:off x="8880" y="8900"/>
+            <a:ext cx="100737" cy="187145"/>
           </a:xfrm>
         </p:spPr>
         <p:txBody>
@@ -658,7 +658,7 @@
           <a:p>
             <a:fld id="{1848ABD9-56DB-C342-8534-56128430F316}" type="datetimeFigureOut">
               <a:rPr lang="en-US" smtClean="0"/>
-              <a:t>6/18/18</a:t>
+              <a:t>6/21/18</a:t>
             </a:fld>
             <a:endParaRPr lang="en-US"/>
           </a:p>
@@ -826,7 +826,7 @@
           <a:p>
             <a:fld id="{1848ABD9-56DB-C342-8534-56128430F316}" type="datetimeFigureOut">
               <a:rPr lang="en-US" smtClean="0"/>
-              <a:t>6/18/18</a:t>
+              <a:t>6/21/18</a:t>
             </a:fld>
             <a:endParaRPr lang="en-US"/>
           </a:p>
@@ -916,8 +916,8 @@
         </p:nvSpPr>
         <p:spPr>
           <a:xfrm>
-            <a:off x="108348" y="704906"/>
-            <a:ext cx="1165859" cy="217869"/>
+            <a:off x="93927" y="704907"/>
+            <a:ext cx="1010681" cy="217869"/>
           </a:xfrm>
         </p:spPr>
         <p:txBody>
@@ -947,8 +947,8 @@
         </p:nvSpPr>
         <p:spPr>
           <a:xfrm>
-            <a:off x="108348" y="464947"/>
-            <a:ext cx="1165859" cy="239961"/>
+            <a:off x="93927" y="464948"/>
+            <a:ext cx="1010681" cy="239961"/>
           </a:xfrm>
         </p:spPr>
         <p:txBody>
@@ -1071,7 +1071,7 @@
           <a:p>
             <a:fld id="{1848ABD9-56DB-C342-8534-56128430F316}" type="datetimeFigureOut">
               <a:rPr lang="en-US" smtClean="0"/>
-              <a:t>6/18/18</a:t>
+              <a:t>6/21/18</a:t>
             </a:fld>
             <a:endParaRPr lang="en-US"/>
           </a:p>
@@ -1183,8 +1183,8 @@
         </p:nvSpPr>
         <p:spPr>
           <a:xfrm>
-            <a:off x="10244" y="51298"/>
-            <a:ext cx="81201" cy="144738"/>
+            <a:off x="8881" y="51298"/>
+            <a:ext cx="70393" cy="144738"/>
           </a:xfrm>
         </p:spPr>
         <p:txBody>
@@ -1267,8 +1267,8 @@
         </p:nvSpPr>
         <p:spPr>
           <a:xfrm>
-            <a:off x="114303" y="51298"/>
-            <a:ext cx="81201" cy="144738"/>
+            <a:off x="99090" y="51298"/>
+            <a:ext cx="70393" cy="144738"/>
           </a:xfrm>
         </p:spPr>
         <p:txBody>
@@ -1356,7 +1356,7 @@
           <a:p>
             <a:fld id="{1848ABD9-56DB-C342-8534-56128430F316}" type="datetimeFigureOut">
               <a:rPr lang="en-US" smtClean="0"/>
-              <a:t>6/18/18</a:t>
+              <a:t>6/21/18</a:t>
             </a:fld>
             <a:endParaRPr lang="en-US"/>
           </a:p>
@@ -1446,8 +1446,8 @@
         </p:nvSpPr>
         <p:spPr>
           <a:xfrm>
-            <a:off x="68581" y="43935"/>
-            <a:ext cx="1234439" cy="182827"/>
+            <a:off x="59453" y="43936"/>
+            <a:ext cx="1070133" cy="182827"/>
           </a:xfrm>
         </p:spPr>
         <p:txBody>
@@ -1477,8 +1477,8 @@
         </p:nvSpPr>
         <p:spPr>
           <a:xfrm>
-            <a:off x="68581" y="245551"/>
-            <a:ext cx="606028" cy="102333"/>
+            <a:off x="59453" y="245552"/>
+            <a:ext cx="525365" cy="102333"/>
           </a:xfrm>
         </p:spPr>
         <p:txBody>
@@ -1542,8 +1542,8 @@
         </p:nvSpPr>
         <p:spPr>
           <a:xfrm>
-            <a:off x="68581" y="347888"/>
-            <a:ext cx="606028" cy="632024"/>
+            <a:off x="59453" y="347888"/>
+            <a:ext cx="525365" cy="632024"/>
           </a:xfrm>
         </p:spPr>
         <p:txBody>
@@ -1626,8 +1626,8 @@
         </p:nvSpPr>
         <p:spPr>
           <a:xfrm>
-            <a:off x="696756" y="245551"/>
-            <a:ext cx="606266" cy="102333"/>
+            <a:off x="604017" y="245552"/>
+            <a:ext cx="525571" cy="102333"/>
           </a:xfrm>
         </p:spPr>
         <p:txBody>
@@ -1691,8 +1691,8 @@
         </p:nvSpPr>
         <p:spPr>
           <a:xfrm>
-            <a:off x="696756" y="347888"/>
-            <a:ext cx="606266" cy="632024"/>
+            <a:off x="604017" y="347888"/>
+            <a:ext cx="525571" cy="632024"/>
           </a:xfrm>
         </p:spPr>
         <p:txBody>
@@ -1780,7 +1780,7 @@
           <a:p>
             <a:fld id="{1848ABD9-56DB-C342-8534-56128430F316}" type="datetimeFigureOut">
               <a:rPr lang="en-US" smtClean="0"/>
-              <a:t>6/18/18</a:t>
+              <a:t>6/21/18</a:t>
             </a:fld>
             <a:endParaRPr lang="en-US"/>
           </a:p>
@@ -1897,7 +1897,7 @@
           <a:p>
             <a:fld id="{1848ABD9-56DB-C342-8534-56128430F316}" type="datetimeFigureOut">
               <a:rPr lang="en-US" smtClean="0"/>
-              <a:t>6/18/18</a:t>
+              <a:t>6/21/18</a:t>
             </a:fld>
             <a:endParaRPr lang="en-US"/>
           </a:p>
@@ -1992,7 +1992,7 @@
           <a:p>
             <a:fld id="{1848ABD9-56DB-C342-8534-56128430F316}" type="datetimeFigureOut">
               <a:rPr lang="en-US" smtClean="0"/>
-              <a:t>6/18/18</a:t>
+              <a:t>6/21/18</a:t>
             </a:fld>
             <a:endParaRPr lang="en-US"/>
           </a:p>
@@ -2082,8 +2082,8 @@
         </p:nvSpPr>
         <p:spPr>
           <a:xfrm>
-            <a:off x="68588" y="43689"/>
-            <a:ext cx="451247" cy="185873"/>
+            <a:off x="59459" y="43690"/>
+            <a:ext cx="391185" cy="185873"/>
           </a:xfrm>
         </p:spPr>
         <p:txBody>
@@ -2113,8 +2113,8 @@
         </p:nvSpPr>
         <p:spPr>
           <a:xfrm>
-            <a:off x="536263" y="43679"/>
-            <a:ext cx="766764" cy="936229"/>
+            <a:off x="464885" y="43680"/>
+            <a:ext cx="664707" cy="936229"/>
           </a:xfrm>
         </p:spPr>
         <p:txBody>
@@ -2197,8 +2197,8 @@
         </p:nvSpPr>
         <p:spPr>
           <a:xfrm>
-            <a:off x="68588" y="229549"/>
-            <a:ext cx="451247" cy="750354"/>
+            <a:off x="59459" y="229549"/>
+            <a:ext cx="391185" cy="750354"/>
           </a:xfrm>
         </p:spPr>
         <p:txBody>
@@ -2267,7 +2267,7 @@
           <a:p>
             <a:fld id="{1848ABD9-56DB-C342-8534-56128430F316}" type="datetimeFigureOut">
               <a:rPr lang="en-US" smtClean="0"/>
-              <a:t>6/18/18</a:t>
+              <a:t>6/21/18</a:t>
             </a:fld>
             <a:endParaRPr lang="en-US"/>
           </a:p>
@@ -2357,8 +2357,8 @@
         </p:nvSpPr>
         <p:spPr>
           <a:xfrm>
-            <a:off x="268847" y="767883"/>
-            <a:ext cx="822960" cy="90652"/>
+            <a:off x="233063" y="767883"/>
+            <a:ext cx="713423" cy="90652"/>
           </a:xfrm>
         </p:spPr>
         <p:txBody>
@@ -2388,8 +2388,8 @@
         </p:nvSpPr>
         <p:spPr>
           <a:xfrm>
-            <a:off x="268847" y="98020"/>
-            <a:ext cx="822960" cy="658178"/>
+            <a:off x="233063" y="98020"/>
+            <a:ext cx="713423" cy="658178"/>
           </a:xfrm>
         </p:spPr>
         <p:txBody>
@@ -2449,8 +2449,8 @@
         </p:nvSpPr>
         <p:spPr>
           <a:xfrm>
-            <a:off x="268847" y="858527"/>
-            <a:ext cx="822960" cy="128740"/>
+            <a:off x="233063" y="858527"/>
+            <a:ext cx="713423" cy="128740"/>
           </a:xfrm>
         </p:spPr>
         <p:txBody>
@@ -2519,7 +2519,7 @@
           <a:p>
             <a:fld id="{1848ABD9-56DB-C342-8534-56128430F316}" type="datetimeFigureOut">
               <a:rPr lang="en-US" smtClean="0"/>
-              <a:t>6/18/18</a:t>
+              <a:t>6/21/18</a:t>
             </a:fld>
             <a:endParaRPr lang="en-US"/>
           </a:p>
@@ -2614,8 +2614,8 @@
         </p:nvSpPr>
         <p:spPr>
           <a:xfrm>
-            <a:off x="68581" y="43935"/>
-            <a:ext cx="1234439" cy="182827"/>
+            <a:off x="59453" y="43936"/>
+            <a:ext cx="1070133" cy="182827"/>
           </a:xfrm>
           <a:prstGeom prst="rect">
             <a:avLst/>
@@ -2646,8 +2646,8 @@
         </p:nvSpPr>
         <p:spPr>
           <a:xfrm>
-            <a:off x="68581" y="255964"/>
-            <a:ext cx="1234439" cy="723945"/>
+            <a:off x="59453" y="255964"/>
+            <a:ext cx="1070133" cy="723945"/>
           </a:xfrm>
           <a:prstGeom prst="rect">
             <a:avLst/>
@@ -2707,8 +2707,8 @@
         </p:nvSpPr>
         <p:spPr>
           <a:xfrm>
-            <a:off x="68580" y="1016737"/>
-            <a:ext cx="320040" cy="58403"/>
+            <a:off x="59452" y="1016738"/>
+            <a:ext cx="277442" cy="58403"/>
           </a:xfrm>
           <a:prstGeom prst="rect">
             <a:avLst/>
@@ -2730,7 +2730,7 @@
           <a:p>
             <a:fld id="{1848ABD9-56DB-C342-8534-56128430F316}" type="datetimeFigureOut">
               <a:rPr lang="en-US" smtClean="0"/>
-              <a:t>6/18/18</a:t>
+              <a:t>6/21/18</a:t>
             </a:fld>
             <a:endParaRPr lang="en-US"/>
           </a:p>
@@ -2748,8 +2748,8 @@
         </p:nvSpPr>
         <p:spPr>
           <a:xfrm>
-            <a:off x="468635" y="1016737"/>
-            <a:ext cx="434340" cy="58403"/>
+            <a:off x="406259" y="1016738"/>
+            <a:ext cx="376529" cy="58403"/>
           </a:xfrm>
           <a:prstGeom prst="rect">
             <a:avLst/>
@@ -2785,8 +2785,8 @@
         </p:nvSpPr>
         <p:spPr>
           <a:xfrm>
-            <a:off x="982980" y="1016737"/>
-            <a:ext cx="320040" cy="58403"/>
+            <a:off x="852144" y="1016738"/>
+            <a:ext cx="277442" cy="58403"/>
           </a:xfrm>
           <a:prstGeom prst="rect">
             <a:avLst/>
@@ -3107,10 +3107,10 @@
       </p:grpSpPr>
       <p:grpSp>
         <p:nvGrpSpPr>
-          <p:cNvPr id="31" name="Group 30">
+          <p:cNvPr id="89" name="Group 88">
             <a:extLst>
               <a:ext uri="{FF2B5EF4-FFF2-40B4-BE49-F238E27FC236}">
-                <a16:creationId xmlns:a16="http://schemas.microsoft.com/office/drawing/2014/main" id="{634F2C97-933E-2643-817D-AC608441492F}"/>
+                <a16:creationId xmlns:a16="http://schemas.microsoft.com/office/drawing/2014/main" id="{FF415755-6D6D-D14A-94CC-33AB0C82B013}"/>
               </a:ext>
             </a:extLst>
           </p:cNvPr>
@@ -3119,25 +3119,25 @@
         </p:nvGrpSpPr>
         <p:grpSpPr>
           <a:xfrm>
-            <a:off x="-103187" y="-50801"/>
-            <a:ext cx="1609741" cy="1156451"/>
-            <a:chOff x="332150" y="-108905"/>
-            <a:chExt cx="2157366" cy="996919"/>
+            <a:off x="-84931" y="-50800"/>
+            <a:ext cx="1412081" cy="1144386"/>
+            <a:chOff x="332150" y="-103461"/>
+            <a:chExt cx="2138314" cy="981215"/>
           </a:xfrm>
         </p:grpSpPr>
         <p:cxnSp>
           <p:nvCxnSpPr>
-            <p:cNvPr id="32" name="Straight Arrow Connector 31">
+            <p:cNvPr id="90" name="Straight Arrow Connector 89">
               <a:extLst>
                 <a:ext uri="{FF2B5EF4-FFF2-40B4-BE49-F238E27FC236}">
-                  <a16:creationId xmlns:a16="http://schemas.microsoft.com/office/drawing/2014/main" id="{BF9A2E31-BDA1-444D-8110-1B28A670A3C3}"/>
+                  <a16:creationId xmlns:a16="http://schemas.microsoft.com/office/drawing/2014/main" id="{B6FEB577-5F0C-F54C-AC54-641C3898801B}"/>
                 </a:ext>
               </a:extLst>
             </p:cNvPr>
             <p:cNvCxnSpPr>
               <a:cxnSpLocks/>
-              <a:stCxn id="44" idx="5"/>
-              <a:endCxn id="45" idx="3"/>
+              <a:stCxn id="102" idx="5"/>
+              <a:endCxn id="103" idx="3"/>
             </p:cNvCxnSpPr>
             <p:nvPr/>
           </p:nvCxnSpPr>
@@ -3174,16 +3174,16 @@
         </p:cxnSp>
         <p:cxnSp>
           <p:nvCxnSpPr>
-            <p:cNvPr id="33" name="Straight Arrow Connector 32">
+            <p:cNvPr id="91" name="Straight Arrow Connector 90">
               <a:extLst>
                 <a:ext uri="{FF2B5EF4-FFF2-40B4-BE49-F238E27FC236}">
-                  <a16:creationId xmlns:a16="http://schemas.microsoft.com/office/drawing/2014/main" id="{D74CD458-4DBD-974C-B041-DD152A879863}"/>
+                  <a16:creationId xmlns:a16="http://schemas.microsoft.com/office/drawing/2014/main" id="{988E0688-64C6-7F44-8BA8-23A0A0E52BEB}"/>
                 </a:ext>
               </a:extLst>
             </p:cNvPr>
             <p:cNvCxnSpPr>
-              <a:stCxn id="44" idx="0"/>
-              <a:endCxn id="46" idx="4"/>
+              <a:stCxn id="102" idx="0"/>
+              <a:endCxn id="104" idx="4"/>
             </p:cNvCxnSpPr>
             <p:nvPr/>
           </p:nvCxnSpPr>
@@ -3220,10 +3220,10 @@
         </p:cxnSp>
         <p:sp>
           <p:nvSpPr>
-            <p:cNvPr id="34" name="Oval 33">
+            <p:cNvPr id="92" name="Oval 91">
               <a:extLst>
                 <a:ext uri="{FF2B5EF4-FFF2-40B4-BE49-F238E27FC236}">
-                  <a16:creationId xmlns:a16="http://schemas.microsoft.com/office/drawing/2014/main" id="{4D7AA785-FF65-1A4C-992F-49DEA0105B8F}"/>
+                  <a16:creationId xmlns:a16="http://schemas.microsoft.com/office/drawing/2014/main" id="{87669361-CCDF-0E46-A710-8476163F4241}"/>
                 </a:ext>
               </a:extLst>
             </p:cNvPr>
@@ -3260,7 +3260,7 @@
             <a:lstStyle/>
             <a:p>
               <a:pPr algn="ctr"/>
-              <a:endParaRPr lang="en-US" sz="600">
+              <a:endParaRPr lang="en-US" sz="550">
                 <a:latin typeface="Heiti TC Medium" pitchFamily="2" charset="-128"/>
                 <a:ea typeface="Heiti TC Medium" pitchFamily="2" charset="-128"/>
                 <a:cs typeface="Heiti SC Light" charset="-122"/>
@@ -3270,16 +3270,16 @@
         </p:sp>
         <p:cxnSp>
           <p:nvCxnSpPr>
-            <p:cNvPr id="35" name="Straight Arrow Connector 34">
+            <p:cNvPr id="93" name="Straight Arrow Connector 92">
               <a:extLst>
                 <a:ext uri="{FF2B5EF4-FFF2-40B4-BE49-F238E27FC236}">
-                  <a16:creationId xmlns:a16="http://schemas.microsoft.com/office/drawing/2014/main" id="{7685F42A-361E-6442-8460-E4C0BB84C54D}"/>
+                  <a16:creationId xmlns:a16="http://schemas.microsoft.com/office/drawing/2014/main" id="{9ADE5242-6E9E-B349-8B11-2D9306CC1442}"/>
                 </a:ext>
               </a:extLst>
             </p:cNvPr>
             <p:cNvCxnSpPr>
-              <a:stCxn id="45" idx="2"/>
-              <a:endCxn id="46" idx="5"/>
+              <a:stCxn id="103" idx="2"/>
+              <a:endCxn id="104" idx="5"/>
             </p:cNvCxnSpPr>
             <p:nvPr/>
           </p:nvCxnSpPr>
@@ -3316,16 +3316,16 @@
         </p:cxnSp>
         <p:cxnSp>
           <p:nvCxnSpPr>
-            <p:cNvPr id="36" name="Straight Arrow Connector 35">
+            <p:cNvPr id="94" name="Straight Arrow Connector 93">
               <a:extLst>
                 <a:ext uri="{FF2B5EF4-FFF2-40B4-BE49-F238E27FC236}">
-                  <a16:creationId xmlns:a16="http://schemas.microsoft.com/office/drawing/2014/main" id="{11C443B6-2399-8A44-8285-CA07750ACC8F}"/>
+                  <a16:creationId xmlns:a16="http://schemas.microsoft.com/office/drawing/2014/main" id="{4401C432-C669-1648-AF78-BD6569E292C3}"/>
                 </a:ext>
               </a:extLst>
             </p:cNvPr>
             <p:cNvCxnSpPr>
-              <a:stCxn id="34" idx="5"/>
-              <a:endCxn id="45" idx="7"/>
+              <a:stCxn id="92" idx="5"/>
+              <a:endCxn id="103" idx="7"/>
             </p:cNvCxnSpPr>
             <p:nvPr/>
           </p:nvCxnSpPr>
@@ -3362,17 +3362,17 @@
         </p:cxnSp>
         <p:cxnSp>
           <p:nvCxnSpPr>
-            <p:cNvPr id="37" name="Straight Arrow Connector 36">
+            <p:cNvPr id="95" name="Straight Arrow Connector 94">
               <a:extLst>
                 <a:ext uri="{FF2B5EF4-FFF2-40B4-BE49-F238E27FC236}">
-                  <a16:creationId xmlns:a16="http://schemas.microsoft.com/office/drawing/2014/main" id="{94C208E5-0080-FC49-9DFA-05FB7C70F40F}"/>
+                  <a16:creationId xmlns:a16="http://schemas.microsoft.com/office/drawing/2014/main" id="{8DA01F88-686F-4E4B-97DC-40C7E07C1A80}"/>
                 </a:ext>
               </a:extLst>
             </p:cNvPr>
             <p:cNvCxnSpPr>
               <a:cxnSpLocks/>
-              <a:stCxn id="34" idx="2"/>
-              <a:endCxn id="46" idx="6"/>
+              <a:stCxn id="92" idx="2"/>
+              <a:endCxn id="104" idx="6"/>
             </p:cNvCxnSpPr>
             <p:nvPr/>
           </p:nvCxnSpPr>
@@ -3409,16 +3409,16 @@
         </p:cxnSp>
         <p:cxnSp>
           <p:nvCxnSpPr>
-            <p:cNvPr id="38" name="Straight Arrow Connector 37">
+            <p:cNvPr id="96" name="Straight Arrow Connector 95">
               <a:extLst>
                 <a:ext uri="{FF2B5EF4-FFF2-40B4-BE49-F238E27FC236}">
-                  <a16:creationId xmlns:a16="http://schemas.microsoft.com/office/drawing/2014/main" id="{C734E576-6BE4-E644-9C68-3152D5ED7AF8}"/>
+                  <a16:creationId xmlns:a16="http://schemas.microsoft.com/office/drawing/2014/main" id="{4385F6E4-9A5B-E943-8A88-8A551F6B1188}"/>
                 </a:ext>
               </a:extLst>
             </p:cNvPr>
             <p:cNvCxnSpPr>
-              <a:stCxn id="46" idx="7"/>
-              <a:endCxn id="34" idx="1"/>
+              <a:stCxn id="104" idx="7"/>
+              <a:endCxn id="92" idx="1"/>
             </p:cNvCxnSpPr>
             <p:nvPr/>
           </p:nvCxnSpPr>
@@ -3455,16 +3455,16 @@
         </p:cxnSp>
         <p:cxnSp>
           <p:nvCxnSpPr>
-            <p:cNvPr id="39" name="Straight Arrow Connector 38">
+            <p:cNvPr id="97" name="Straight Arrow Connector 96">
               <a:extLst>
                 <a:ext uri="{FF2B5EF4-FFF2-40B4-BE49-F238E27FC236}">
-                  <a16:creationId xmlns:a16="http://schemas.microsoft.com/office/drawing/2014/main" id="{8A03AD51-431A-CE4D-97ED-B57E82DBCB0F}"/>
+                  <a16:creationId xmlns:a16="http://schemas.microsoft.com/office/drawing/2014/main" id="{620AA702-86D8-CA42-8C45-4A4733E0BA34}"/>
                 </a:ext>
               </a:extLst>
             </p:cNvPr>
             <p:cNvCxnSpPr>
-              <a:stCxn id="45" idx="0"/>
-              <a:endCxn id="34" idx="4"/>
+              <a:stCxn id="103" idx="0"/>
+              <a:endCxn id="92" idx="4"/>
             </p:cNvCxnSpPr>
             <p:nvPr/>
           </p:nvCxnSpPr>
@@ -3501,16 +3501,16 @@
         </p:cxnSp>
         <p:cxnSp>
           <p:nvCxnSpPr>
-            <p:cNvPr id="40" name="Straight Arrow Connector 39">
+            <p:cNvPr id="98" name="Straight Arrow Connector 97">
               <a:extLst>
                 <a:ext uri="{FF2B5EF4-FFF2-40B4-BE49-F238E27FC236}">
-                  <a16:creationId xmlns:a16="http://schemas.microsoft.com/office/drawing/2014/main" id="{4D68BA1E-9AC0-D843-AEFF-FEB75045E63D}"/>
+                  <a16:creationId xmlns:a16="http://schemas.microsoft.com/office/drawing/2014/main" id="{E7BE8329-FD3D-394B-9E01-EB06F514E312}"/>
                 </a:ext>
               </a:extLst>
             </p:cNvPr>
             <p:cNvCxnSpPr>
-              <a:stCxn id="44" idx="7"/>
-              <a:endCxn id="34" idx="3"/>
+              <a:stCxn id="102" idx="7"/>
+              <a:endCxn id="92" idx="3"/>
             </p:cNvCxnSpPr>
             <p:nvPr/>
           </p:nvCxnSpPr>
@@ -3547,16 +3547,16 @@
         </p:cxnSp>
         <p:cxnSp>
           <p:nvCxnSpPr>
-            <p:cNvPr id="41" name="Straight Arrow Connector 40">
+            <p:cNvPr id="99" name="Straight Arrow Connector 98">
               <a:extLst>
                 <a:ext uri="{FF2B5EF4-FFF2-40B4-BE49-F238E27FC236}">
-                  <a16:creationId xmlns:a16="http://schemas.microsoft.com/office/drawing/2014/main" id="{EF80CA29-A93D-6246-916C-530FC8B3095E}"/>
+                  <a16:creationId xmlns:a16="http://schemas.microsoft.com/office/drawing/2014/main" id="{072717B4-1F02-7F40-A03E-D4342B20381A}"/>
                 </a:ext>
               </a:extLst>
             </p:cNvPr>
             <p:cNvCxnSpPr>
-              <a:stCxn id="34" idx="4"/>
-              <a:endCxn id="44" idx="6"/>
+              <a:stCxn id="92" idx="4"/>
+              <a:endCxn id="102" idx="6"/>
             </p:cNvCxnSpPr>
             <p:nvPr/>
           </p:nvCxnSpPr>
@@ -3593,10 +3593,10 @@
         </p:cxnSp>
         <p:sp>
           <p:nvSpPr>
-            <p:cNvPr id="42" name="TextBox 41">
+            <p:cNvPr id="100" name="TextBox 99">
               <a:extLst>
                 <a:ext uri="{FF2B5EF4-FFF2-40B4-BE49-F238E27FC236}">
-                  <a16:creationId xmlns:a16="http://schemas.microsoft.com/office/drawing/2014/main" id="{0A3D7EC6-DA37-C747-9B3C-9EEA3B3EB67E}"/>
+                  <a16:creationId xmlns:a16="http://schemas.microsoft.com/office/drawing/2014/main" id="{8BF88F7C-C0A4-D44F-BB0D-EDA0C8E6B5DD}"/>
                 </a:ext>
               </a:extLst>
             </p:cNvPr>
@@ -3605,8 +3605,8 @@
           </p:nvSpPr>
           <p:spPr>
             <a:xfrm>
-              <a:off x="750750" y="92578"/>
-              <a:ext cx="1244428" cy="238787"/>
+              <a:off x="750749" y="92578"/>
+              <a:ext cx="1244428" cy="242120"/>
             </a:xfrm>
             <a:prstGeom prst="rect">
               <a:avLst/>
@@ -3621,7 +3621,7 @@
             <a:p>
               <a:pPr algn="ctr"/>
               <a:r>
-                <a:rPr lang="en-US" sz="600" dirty="0">
+                <a:rPr lang="en-US" sz="550" dirty="0">
                   <a:latin typeface="Heiti TC Medium" pitchFamily="2" charset="-128"/>
                   <a:ea typeface="Heiti TC Medium" pitchFamily="2" charset="-128"/>
                   <a:cs typeface="Heiti SC Light" charset="-122"/>
@@ -3632,7 +3632,7 @@
             <a:p>
               <a:pPr algn="ctr"/>
               <a:r>
-                <a:rPr lang="en-US" sz="600" dirty="0">
+                <a:rPr lang="en-US" sz="550" dirty="0">
                   <a:latin typeface="Heiti TC Medium" pitchFamily="2" charset="-128"/>
                   <a:ea typeface="Heiti TC Medium" pitchFamily="2" charset="-128"/>
                   <a:cs typeface="Heiti SC Light" charset="-122"/>
@@ -3644,10 +3644,10 @@
         </p:sp>
         <p:sp>
           <p:nvSpPr>
-            <p:cNvPr id="43" name="TextBox 42">
+            <p:cNvPr id="101" name="TextBox 100">
               <a:extLst>
                 <a:ext uri="{FF2B5EF4-FFF2-40B4-BE49-F238E27FC236}">
-                  <a16:creationId xmlns:a16="http://schemas.microsoft.com/office/drawing/2014/main" id="{810FFF01-C028-9D44-8893-772E975D4BB0}"/>
+                  <a16:creationId xmlns:a16="http://schemas.microsoft.com/office/drawing/2014/main" id="{33AE7AE6-B0AA-074F-B11C-A7BDD74B64D8}"/>
                 </a:ext>
               </a:extLst>
             </p:cNvPr>
@@ -3656,8 +3656,8 @@
           </p:nvSpPr>
           <p:spPr>
             <a:xfrm>
-              <a:off x="1659972" y="93600"/>
-              <a:ext cx="610093" cy="239897"/>
+              <a:off x="1635656" y="98616"/>
+              <a:ext cx="661688" cy="224309"/>
             </a:xfrm>
             <a:prstGeom prst="rect">
               <a:avLst/>
@@ -3672,9 +3672,9 @@
             <a:p>
               <a:pPr algn="ctr"/>
               <a:r>
-                <a:rPr lang="en-US" sz="600" dirty="0">
+                <a:rPr lang="en-US" sz="550" dirty="0">
                   <a:solidFill>
-                    <a:schemeClr val="tx2"/>
+                    <a:srgbClr val="C00000"/>
                   </a:solidFill>
                   <a:latin typeface="Heiti TC Medium" pitchFamily="2" charset="-128"/>
                   <a:ea typeface="Heiti TC Medium" pitchFamily="2" charset="-128"/>
@@ -3687,10 +3687,10 @@
         </p:sp>
         <p:sp>
           <p:nvSpPr>
-            <p:cNvPr id="44" name="Oval 43">
+            <p:cNvPr id="102" name="Oval 101">
               <a:extLst>
                 <a:ext uri="{FF2B5EF4-FFF2-40B4-BE49-F238E27FC236}">
-                  <a16:creationId xmlns:a16="http://schemas.microsoft.com/office/drawing/2014/main" id="{865C0013-7F84-B64B-8602-EC9E0D566585}"/>
+                  <a16:creationId xmlns:a16="http://schemas.microsoft.com/office/drawing/2014/main" id="{C7CFFF45-DF20-E34B-89EC-326A0793E0D4}"/>
                 </a:ext>
               </a:extLst>
             </p:cNvPr>
@@ -3727,7 +3727,7 @@
             <a:lstStyle/>
             <a:p>
               <a:pPr algn="ctr"/>
-              <a:endParaRPr lang="en-US" sz="600">
+              <a:endParaRPr lang="en-US" sz="550">
                 <a:latin typeface="Heiti TC Medium" pitchFamily="2" charset="-128"/>
                 <a:ea typeface="Heiti TC Medium" pitchFamily="2" charset="-128"/>
                 <a:cs typeface="Heiti SC Light" charset="-122"/>
@@ -3737,10 +3737,10 @@
         </p:sp>
         <p:sp>
           <p:nvSpPr>
-            <p:cNvPr id="45" name="Oval 44">
+            <p:cNvPr id="103" name="Oval 102">
               <a:extLst>
                 <a:ext uri="{FF2B5EF4-FFF2-40B4-BE49-F238E27FC236}">
-                  <a16:creationId xmlns:a16="http://schemas.microsoft.com/office/drawing/2014/main" id="{B23D5E17-EA9D-BD48-BF56-365BF55CCBD2}"/>
+                  <a16:creationId xmlns:a16="http://schemas.microsoft.com/office/drawing/2014/main" id="{E9200826-FB0A-7342-8D91-940863C99EED}"/>
                 </a:ext>
               </a:extLst>
             </p:cNvPr>
@@ -3777,7 +3777,7 @@
             <a:lstStyle/>
             <a:p>
               <a:pPr algn="ctr"/>
-              <a:endParaRPr lang="en-US" sz="600">
+              <a:endParaRPr lang="en-US" sz="550">
                 <a:latin typeface="Heiti TC Medium" pitchFamily="2" charset="-128"/>
                 <a:ea typeface="Heiti TC Medium" pitchFamily="2" charset="-128"/>
                 <a:cs typeface="Heiti SC Light" charset="-122"/>
@@ -3787,10 +3787,10 @@
         </p:sp>
         <p:sp>
           <p:nvSpPr>
-            <p:cNvPr id="46" name="Oval 45">
+            <p:cNvPr id="104" name="Oval 103">
               <a:extLst>
                 <a:ext uri="{FF2B5EF4-FFF2-40B4-BE49-F238E27FC236}">
-                  <a16:creationId xmlns:a16="http://schemas.microsoft.com/office/drawing/2014/main" id="{6FA31B53-E954-8B4B-9FE8-9DF108E9016E}"/>
+                  <a16:creationId xmlns:a16="http://schemas.microsoft.com/office/drawing/2014/main" id="{B4881450-7256-D142-AEEB-0764991BE482}"/>
                 </a:ext>
               </a:extLst>
             </p:cNvPr>
@@ -3827,7 +3827,7 @@
             <a:lstStyle/>
             <a:p>
               <a:pPr algn="ctr"/>
-              <a:endParaRPr lang="en-US" sz="600">
+              <a:endParaRPr lang="en-US" sz="550">
                 <a:latin typeface="Heiti TC Medium" pitchFamily="2" charset="-128"/>
                 <a:ea typeface="Heiti TC Medium" pitchFamily="2" charset="-128"/>
                 <a:cs typeface="Heiti SC Light" charset="-122"/>
@@ -3837,10 +3837,10 @@
         </p:sp>
         <p:sp>
           <p:nvSpPr>
-            <p:cNvPr id="47" name="TextBox 46">
+            <p:cNvPr id="105" name="TextBox 104">
               <a:extLst>
                 <a:ext uri="{FF2B5EF4-FFF2-40B4-BE49-F238E27FC236}">
-                  <a16:creationId xmlns:a16="http://schemas.microsoft.com/office/drawing/2014/main" id="{45FBFCBE-A50E-E74E-85B7-02376080150D}"/>
+                  <a16:creationId xmlns:a16="http://schemas.microsoft.com/office/drawing/2014/main" id="{EAEC9D91-9059-7F44-A756-53E0084013B7}"/>
                 </a:ext>
               </a:extLst>
             </p:cNvPr>
@@ -3849,8 +3849,8 @@
           </p:nvSpPr>
           <p:spPr>
             <a:xfrm>
-              <a:off x="1660516" y="648117"/>
-              <a:ext cx="626700" cy="239897"/>
+              <a:off x="1650901" y="631783"/>
+              <a:ext cx="626701" cy="224309"/>
             </a:xfrm>
             <a:prstGeom prst="rect">
               <a:avLst/>
@@ -3865,9 +3865,9 @@
             <a:p>
               <a:pPr algn="ctr"/>
               <a:r>
-                <a:rPr lang="en-US" sz="600" dirty="0">
+                <a:rPr lang="en-US" sz="550" dirty="0">
                   <a:solidFill>
-                    <a:schemeClr val="tx2"/>
+                    <a:srgbClr val="C00000"/>
                   </a:solidFill>
                   <a:latin typeface="Heiti TC Medium" pitchFamily="2" charset="-128"/>
                   <a:ea typeface="Heiti TC Medium" pitchFamily="2" charset="-128"/>
@@ -3880,10 +3880,10 @@
         </p:sp>
         <p:sp>
           <p:nvSpPr>
-            <p:cNvPr id="48" name="TextBox 47">
+            <p:cNvPr id="106" name="TextBox 105">
               <a:extLst>
                 <a:ext uri="{FF2B5EF4-FFF2-40B4-BE49-F238E27FC236}">
-                  <a16:creationId xmlns:a16="http://schemas.microsoft.com/office/drawing/2014/main" id="{E1F3479F-78D8-8F48-9CA5-E9807FA7D22A}"/>
+                  <a16:creationId xmlns:a16="http://schemas.microsoft.com/office/drawing/2014/main" id="{29DE5F52-BB6B-4D45-BDB6-1C5F26EC5F52}"/>
                 </a:ext>
               </a:extLst>
             </p:cNvPr>
@@ -3892,8 +3892,8 @@
           </p:nvSpPr>
           <p:spPr>
             <a:xfrm>
-              <a:off x="387659" y="666631"/>
-              <a:ext cx="504843" cy="159931"/>
+              <a:off x="387660" y="666631"/>
+              <a:ext cx="504843" cy="151739"/>
             </a:xfrm>
             <a:prstGeom prst="rect">
               <a:avLst/>
@@ -3908,9 +3908,9 @@
             <a:p>
               <a:pPr algn="ctr"/>
               <a:r>
-                <a:rPr lang="en-US" sz="600" dirty="0">
+                <a:rPr lang="en-US" sz="550" dirty="0">
                   <a:solidFill>
-                    <a:schemeClr val="tx2"/>
+                    <a:srgbClr val="C00000"/>
                   </a:solidFill>
                   <a:latin typeface="Heiti TC Medium" pitchFamily="2" charset="-128"/>
                   <a:ea typeface="Heiti TC Medium" pitchFamily="2" charset="-128"/>
@@ -3923,10 +3923,10 @@
         </p:sp>
         <p:sp>
           <p:nvSpPr>
-            <p:cNvPr id="49" name="TextBox 48">
+            <p:cNvPr id="107" name="TextBox 106">
               <a:extLst>
                 <a:ext uri="{FF2B5EF4-FFF2-40B4-BE49-F238E27FC236}">
-                  <a16:creationId xmlns:a16="http://schemas.microsoft.com/office/drawing/2014/main" id="{1A5660C1-1D2B-7D41-A897-0C83A8B434E7}"/>
+                  <a16:creationId xmlns:a16="http://schemas.microsoft.com/office/drawing/2014/main" id="{AAD2D019-3B20-E64B-BE22-5ED065B0EB59}"/>
                 </a:ext>
               </a:extLst>
             </p:cNvPr>
@@ -3936,7 +3936,7 @@
           <p:spPr>
             <a:xfrm>
               <a:off x="332150" y="138176"/>
-              <a:ext cx="663379" cy="159931"/>
+              <a:ext cx="663378" cy="151739"/>
             </a:xfrm>
             <a:prstGeom prst="rect">
               <a:avLst/>
@@ -3951,9 +3951,9 @@
             <a:p>
               <a:pPr algn="ctr"/>
               <a:r>
-                <a:rPr lang="en-US" sz="600" dirty="0">
+                <a:rPr lang="en-US" sz="550" dirty="0">
                   <a:solidFill>
-                    <a:schemeClr val="tx2"/>
+                    <a:srgbClr val="C00000"/>
                   </a:solidFill>
                   <a:latin typeface="Heiti TC Medium" pitchFamily="2" charset="-128"/>
                   <a:ea typeface="Heiti TC Medium" pitchFamily="2" charset="-128"/>
@@ -3966,10 +3966,10 @@
         </p:sp>
         <p:sp>
           <p:nvSpPr>
-            <p:cNvPr id="50" name="TextBox 49">
+            <p:cNvPr id="108" name="TextBox 107">
               <a:extLst>
                 <a:ext uri="{FF2B5EF4-FFF2-40B4-BE49-F238E27FC236}">
-                  <a16:creationId xmlns:a16="http://schemas.microsoft.com/office/drawing/2014/main" id="{3F54CF8F-9DA4-E145-95E7-6B9C3345F7FB}"/>
+                  <a16:creationId xmlns:a16="http://schemas.microsoft.com/office/drawing/2014/main" id="{2D3B283C-0B40-184F-8EFC-464BA6181611}"/>
                 </a:ext>
               </a:extLst>
             </p:cNvPr>
@@ -3977,9 +3977,9 @@
             <p:nvPr/>
           </p:nvSpPr>
           <p:spPr>
-            <a:xfrm rot="20056392">
-              <a:off x="616493" y="469238"/>
-              <a:ext cx="750734" cy="239897"/>
+            <a:xfrm rot="19896018">
+              <a:off x="616492" y="481739"/>
+              <a:ext cx="750734" cy="242120"/>
             </a:xfrm>
             <a:prstGeom prst="rect">
               <a:avLst/>
@@ -3994,7 +3994,7 @@
             <a:p>
               <a:pPr algn="ctr"/>
               <a:r>
-                <a:rPr lang="en-US" sz="600" dirty="0">
+                <a:rPr lang="en-US" sz="550" dirty="0">
                   <a:latin typeface="Heiti TC Medium" pitchFamily="2" charset="-128"/>
                   <a:ea typeface="Heiti TC Medium" pitchFamily="2" charset="-128"/>
                   <a:cs typeface="Heiti SC Light" charset="-122"/>
@@ -4006,10 +4006,10 @@
         </p:sp>
         <p:sp>
           <p:nvSpPr>
-            <p:cNvPr id="51" name="Rectangle 50">
+            <p:cNvPr id="109" name="Rectangle 108">
               <a:extLst>
                 <a:ext uri="{FF2B5EF4-FFF2-40B4-BE49-F238E27FC236}">
-                  <a16:creationId xmlns:a16="http://schemas.microsoft.com/office/drawing/2014/main" id="{F8E31D59-92A1-8645-8009-FFEF79CC9899}"/>
+                  <a16:creationId xmlns:a16="http://schemas.microsoft.com/office/drawing/2014/main" id="{E7D471A7-DC98-164C-A34D-AC48ED60B82A}"/>
                 </a:ext>
               </a:extLst>
             </p:cNvPr>
@@ -4018,8 +4018,8 @@
           </p:nvSpPr>
           <p:spPr>
             <a:xfrm rot="19865234">
-              <a:off x="1180800" y="348070"/>
-              <a:ext cx="818722" cy="159191"/>
+              <a:off x="1180799" y="345773"/>
+              <a:ext cx="818722" cy="163788"/>
             </a:xfrm>
             <a:prstGeom prst="rect">
               <a:avLst/>
@@ -4033,7 +4033,7 @@
             <a:p>
               <a:pPr algn="ctr"/>
               <a:r>
-                <a:rPr lang="en-US" sz="600" dirty="0">
+                <a:rPr lang="en-US" sz="550" dirty="0">
                   <a:latin typeface="Heiti TC Medium" pitchFamily="2" charset="-128"/>
                   <a:ea typeface="Heiti TC Medium" pitchFamily="2" charset="-128"/>
                   <a:cs typeface="Heiti SC Light" charset="-122"/>
@@ -4045,10 +4045,10 @@
         </p:sp>
         <p:sp>
           <p:nvSpPr>
-            <p:cNvPr id="52" name="TextBox 51">
+            <p:cNvPr id="110" name="TextBox 109">
               <a:extLst>
                 <a:ext uri="{FF2B5EF4-FFF2-40B4-BE49-F238E27FC236}">
-                  <a16:creationId xmlns:a16="http://schemas.microsoft.com/office/drawing/2014/main" id="{4ECC7D69-44FB-CC4D-8231-850499421C07}"/>
+                  <a16:creationId xmlns:a16="http://schemas.microsoft.com/office/drawing/2014/main" id="{D3EA1671-CFEF-2D49-8CC6-F42972078240}"/>
                 </a:ext>
               </a:extLst>
             </p:cNvPr>
@@ -4057,8 +4057,8 @@
           </p:nvSpPr>
           <p:spPr>
             <a:xfrm rot="1945886">
-              <a:off x="1026603" y="526381"/>
-              <a:ext cx="1034473" cy="319862"/>
+              <a:off x="1037229" y="546601"/>
+              <a:ext cx="1033894" cy="296879"/>
             </a:xfrm>
             <a:prstGeom prst="rect">
               <a:avLst/>
@@ -4073,7 +4073,7 @@
             <a:p>
               <a:pPr algn="ctr"/>
               <a:r>
-                <a:rPr lang="en-US" sz="600" dirty="0">
+                <a:rPr lang="en-US" sz="550" dirty="0">
                   <a:latin typeface="Heiti TC Medium" pitchFamily="2" charset="-128"/>
                   <a:ea typeface="Heiti TC Medium" pitchFamily="2" charset="-128"/>
                   <a:cs typeface="Heiti SC Light" charset="-122"/>
@@ -4084,7 +4084,7 @@
             <a:p>
               <a:pPr algn="ctr"/>
               <a:r>
-                <a:rPr lang="en-US" sz="600" dirty="0">
+                <a:rPr lang="en-US" sz="550" dirty="0">
                   <a:latin typeface="Heiti TC Medium" pitchFamily="2" charset="-128"/>
                   <a:ea typeface="Heiti TC Medium" pitchFamily="2" charset="-128"/>
                   <a:cs typeface="Heiti SC Light" charset="-122"/>
@@ -4096,10 +4096,10 @@
         </p:sp>
         <p:sp>
           <p:nvSpPr>
-            <p:cNvPr id="53" name="TextBox 52">
+            <p:cNvPr id="111" name="TextBox 110">
               <a:extLst>
                 <a:ext uri="{FF2B5EF4-FFF2-40B4-BE49-F238E27FC236}">
-                  <a16:creationId xmlns:a16="http://schemas.microsoft.com/office/drawing/2014/main" id="{D6850676-090A-014F-BEAF-76AE1458CDE3}"/>
+                  <a16:creationId xmlns:a16="http://schemas.microsoft.com/office/drawing/2014/main" id="{D7686237-14F7-6F4A-848C-152D661AC65C}"/>
                 </a:ext>
               </a:extLst>
             </p:cNvPr>
@@ -4108,8 +4108,8 @@
           </p:nvSpPr>
           <p:spPr>
             <a:xfrm rot="16200000">
-              <a:off x="417758" y="312426"/>
-              <a:ext cx="461249" cy="371233"/>
+              <a:off x="403469" y="301810"/>
+              <a:ext cx="461249" cy="392463"/>
             </a:xfrm>
             <a:prstGeom prst="rect">
               <a:avLst/>
@@ -4124,7 +4124,7 @@
             <a:p>
               <a:pPr algn="ctr"/>
               <a:r>
-                <a:rPr lang="en-US" sz="600" dirty="0">
+                <a:rPr lang="en-US" sz="550" dirty="0">
                   <a:latin typeface="Heiti TC Medium" pitchFamily="2" charset="-128"/>
                   <a:ea typeface="Heiti TC Medium" pitchFamily="2" charset="-128"/>
                   <a:cs typeface="Heiti SC Light" charset="-122"/>
@@ -4135,7 +4135,7 @@
             <a:p>
               <a:pPr algn="ctr"/>
               <a:r>
-                <a:rPr lang="en-US" sz="600" dirty="0">
+                <a:rPr lang="en-US" sz="550" dirty="0">
                   <a:latin typeface="Heiti TC Medium" pitchFamily="2" charset="-128"/>
                   <a:ea typeface="Heiti TC Medium" pitchFamily="2" charset="-128"/>
                   <a:cs typeface="Heiti SC Light" charset="-122"/>
@@ -4147,10 +4147,10 @@
         </p:sp>
         <p:sp>
           <p:nvSpPr>
-            <p:cNvPr id="54" name="Rectangle 53">
+            <p:cNvPr id="112" name="Rectangle 111">
               <a:extLst>
                 <a:ext uri="{FF2B5EF4-FFF2-40B4-BE49-F238E27FC236}">
-                  <a16:creationId xmlns:a16="http://schemas.microsoft.com/office/drawing/2014/main" id="{BCFFC049-FF4B-0E4A-BD07-422CD3BC5F05}"/>
+                  <a16:creationId xmlns:a16="http://schemas.microsoft.com/office/drawing/2014/main" id="{C0E91438-A707-1C4A-8B66-BC9B8138F7D5}"/>
                 </a:ext>
               </a:extLst>
             </p:cNvPr>
@@ -4159,8 +4159,8 @@
           </p:nvSpPr>
           <p:spPr>
             <a:xfrm>
-              <a:off x="612184" y="-699"/>
-              <a:ext cx="1112778" cy="159931"/>
+              <a:off x="593131" y="-3638"/>
+              <a:ext cx="1112778" cy="163788"/>
             </a:xfrm>
             <a:prstGeom prst="rect">
               <a:avLst/>
@@ -4174,7 +4174,7 @@
             <a:p>
               <a:pPr algn="ctr"/>
               <a:r>
-                <a:rPr lang="en-US" sz="600" dirty="0">
+                <a:rPr lang="en-US" sz="550" dirty="0">
                   <a:latin typeface="Heiti TC Medium" pitchFamily="2" charset="-128"/>
                   <a:ea typeface="Heiti TC Medium" pitchFamily="2" charset="-128"/>
                   <a:cs typeface="Heiti SC Light" charset="-122"/>
@@ -4186,10 +4186,10 @@
         </p:sp>
         <p:sp>
           <p:nvSpPr>
-            <p:cNvPr id="55" name="TextBox 54">
+            <p:cNvPr id="113" name="TextBox 112">
               <a:extLst>
                 <a:ext uri="{FF2B5EF4-FFF2-40B4-BE49-F238E27FC236}">
-                  <a16:creationId xmlns:a16="http://schemas.microsoft.com/office/drawing/2014/main" id="{F6F54451-ADE6-9441-98DE-085753E31007}"/>
+                  <a16:creationId xmlns:a16="http://schemas.microsoft.com/office/drawing/2014/main" id="{C91F66A4-DA67-F246-BAEB-8144E61787D6}"/>
                 </a:ext>
               </a:extLst>
             </p:cNvPr>
@@ -4198,8 +4198,8 @@
           </p:nvSpPr>
           <p:spPr>
             <a:xfrm>
-              <a:off x="773351" y="703333"/>
-              <a:ext cx="655226" cy="159191"/>
+              <a:off x="724246" y="713966"/>
+              <a:ext cx="687533" cy="163788"/>
             </a:xfrm>
             <a:prstGeom prst="rect">
               <a:avLst/>
@@ -4214,7 +4214,7 @@
             <a:p>
               <a:pPr algn="ctr"/>
               <a:r>
-                <a:rPr lang="en-US" sz="600" dirty="0">
+                <a:rPr lang="en-US" sz="550" dirty="0">
                   <a:latin typeface="Heiti TC Medium" pitchFamily="2" charset="-128"/>
                   <a:ea typeface="Heiti TC Medium" pitchFamily="2" charset="-128"/>
                   <a:cs typeface="Heiti SC Light" charset="-122"/>
@@ -4226,10 +4226,10 @@
         </p:sp>
         <p:sp>
           <p:nvSpPr>
-            <p:cNvPr id="56" name="Rectangle 55">
+            <p:cNvPr id="114" name="Rectangle 113">
               <a:extLst>
                 <a:ext uri="{FF2B5EF4-FFF2-40B4-BE49-F238E27FC236}">
-                  <a16:creationId xmlns:a16="http://schemas.microsoft.com/office/drawing/2014/main" id="{72A3A047-1EFB-854F-B7A8-525DE7E2BA65}"/>
+                  <a16:creationId xmlns:a16="http://schemas.microsoft.com/office/drawing/2014/main" id="{BE515CA9-B333-0342-9FC7-A2A20BCBEAF1}"/>
                 </a:ext>
               </a:extLst>
             </p:cNvPr>
@@ -4238,8 +4238,8 @@
           </p:nvSpPr>
           <p:spPr>
             <a:xfrm>
-              <a:off x="1237541" y="-108905"/>
-              <a:ext cx="1251975" cy="238787"/>
+              <a:off x="1218489" y="-103461"/>
+              <a:ext cx="1251975" cy="242120"/>
             </a:xfrm>
             <a:prstGeom prst="rect">
               <a:avLst/>
@@ -4253,7 +4253,7 @@
             <a:p>
               <a:pPr algn="ctr"/>
               <a:r>
-                <a:rPr lang="en-US" sz="600" dirty="0">
+                <a:rPr lang="en-US" sz="550" dirty="0">
                   <a:latin typeface="Heiti TC Medium" pitchFamily="2" charset="-128"/>
                   <a:ea typeface="Heiti TC Medium" pitchFamily="2" charset="-128"/>
                   <a:cs typeface="Heiti SC Light" charset="-122"/>
@@ -4265,10 +4265,10 @@
         </p:sp>
         <p:sp>
           <p:nvSpPr>
-            <p:cNvPr id="57" name="Rectangle 56">
+            <p:cNvPr id="115" name="Rectangle 114">
               <a:extLst>
                 <a:ext uri="{FF2B5EF4-FFF2-40B4-BE49-F238E27FC236}">
-                  <a16:creationId xmlns:a16="http://schemas.microsoft.com/office/drawing/2014/main" id="{DA212F52-4779-0F4E-A8C3-79DB2391B83F}"/>
+                  <a16:creationId xmlns:a16="http://schemas.microsoft.com/office/drawing/2014/main" id="{D2A09BBD-7A9E-B944-A78B-DFB04CF49284}"/>
                 </a:ext>
               </a:extLst>
             </p:cNvPr>
@@ -4277,8 +4277,8 @@
           </p:nvSpPr>
           <p:spPr>
             <a:xfrm rot="5400000">
-              <a:off x="1912583" y="366826"/>
-              <a:ext cx="484164" cy="247488"/>
+              <a:off x="1926828" y="357825"/>
+              <a:ext cx="484164" cy="265492"/>
             </a:xfrm>
             <a:prstGeom prst="rect">
               <a:avLst/>
@@ -4292,7 +4292,7 @@
             <a:p>
               <a:pPr algn="ctr"/>
               <a:r>
-                <a:rPr lang="en-US" sz="600" dirty="0">
+                <a:rPr lang="en-US" sz="550" dirty="0">
                   <a:latin typeface="Heiti TC Medium" pitchFamily="2" charset="-128"/>
                   <a:ea typeface="Heiti TC Medium" pitchFamily="2" charset="-128"/>
                   <a:cs typeface="Heiti SC Light" charset="-122"/>
@@ -4304,10 +4304,10 @@
         </p:sp>
         <p:sp>
           <p:nvSpPr>
-            <p:cNvPr id="58" name="Freeform 57">
+            <p:cNvPr id="116" name="Freeform 115">
               <a:extLst>
                 <a:ext uri="{FF2B5EF4-FFF2-40B4-BE49-F238E27FC236}">
-                  <a16:creationId xmlns:a16="http://schemas.microsoft.com/office/drawing/2014/main" id="{8BB9328E-780C-E141-A597-3C88BD4DD4F9}"/>
+                  <a16:creationId xmlns:a16="http://schemas.microsoft.com/office/drawing/2014/main" id="{40E9805F-8362-7444-994D-7F92605CC4E3}"/>
                 </a:ext>
               </a:extLst>
             </p:cNvPr>
@@ -4316,8 +4316,8 @@
           </p:nvSpPr>
           <p:spPr>
             <a:xfrm rot="20632668">
-              <a:off x="2107722" y="64023"/>
-              <a:ext cx="160526" cy="158069"/>
+              <a:off x="2108787" y="68862"/>
+              <a:ext cx="106342" cy="158069"/>
             </a:xfrm>
             <a:custGeom>
               <a:avLst/>
@@ -4404,7 +4404,7 @@
             <a:lstStyle/>
             <a:p>
               <a:pPr algn="ctr"/>
-              <a:endParaRPr lang="en-US" sz="600">
+              <a:endParaRPr lang="en-US" sz="550">
                 <a:latin typeface="Heiti TC Medium" pitchFamily="2" charset="-128"/>
                 <a:ea typeface="Heiti TC Medium" pitchFamily="2" charset="-128"/>
               </a:endParaRPr>
@@ -4413,10 +4413,10 @@
         </p:sp>
         <p:sp>
           <p:nvSpPr>
-            <p:cNvPr id="59" name="Rectangle 58">
+            <p:cNvPr id="117" name="Rectangle 116">
               <a:extLst>
                 <a:ext uri="{FF2B5EF4-FFF2-40B4-BE49-F238E27FC236}">
-                  <a16:creationId xmlns:a16="http://schemas.microsoft.com/office/drawing/2014/main" id="{85C57370-173E-AB40-BEBE-D4EABB5C88AC}"/>
+                  <a16:creationId xmlns:a16="http://schemas.microsoft.com/office/drawing/2014/main" id="{A1EE1FC7-7CB9-9245-9F0A-809FC1DFECF0}"/>
                 </a:ext>
               </a:extLst>
             </p:cNvPr>
@@ -4425,8 +4425,8 @@
           </p:nvSpPr>
           <p:spPr>
             <a:xfrm rot="16200000">
-              <a:off x="1696169" y="369331"/>
-              <a:ext cx="445402" cy="247488"/>
+              <a:off x="1677117" y="360330"/>
+              <a:ext cx="445402" cy="265491"/>
             </a:xfrm>
             <a:prstGeom prst="rect">
               <a:avLst/>
@@ -4440,7 +4440,7 @@
             <a:p>
               <a:pPr algn="ctr"/>
               <a:r>
-                <a:rPr lang="en-US" sz="600" dirty="0">
+                <a:rPr lang="en-US" sz="550" dirty="0">
                   <a:latin typeface="Heiti TC Medium" pitchFamily="2" charset="-128"/>
                   <a:ea typeface="Heiti TC Medium" pitchFamily="2" charset="-128"/>
                   <a:cs typeface="Heiti SC Light" charset="-122"/>
